--- a/notebooks_sitepages/Team Introduction.pptx
+++ b/notebooks_sitepages/Team Introduction.pptx
@@ -107,6 +107,11 @@
       </a:defRPr>
     </a:lvl9pPr>
   </p:defaultTextStyle>
+  <p:extLst>
+    <p:ext uri="{EFAFB233-063F-42B5-8137-9DF3F51BA10A}">
+      <p15:sldGuideLst xmlns:p15="http://schemas.microsoft.com/office/powerpoint/2012/main"/>
+    </p:ext>
+  </p:extLst>
 </p:presentation>
 </file>
 
@@ -3543,7 +3548,7 @@
         </p:blipFill>
         <p:spPr>
           <a:xfrm>
-            <a:off x="5088837" y="5271929"/>
+            <a:off x="4995586" y="5271928"/>
             <a:ext cx="1584295" cy="2274145"/>
           </a:xfrm>
           <a:prstGeom prst="rect">
@@ -3567,13 +3572,13 @@
         </p:nvPicPr>
         <p:blipFill rotWithShape="1">
           <a:blip r:embed="rId5"/>
-          <a:srcRect l="30947" r="35817"/>
+          <a:srcRect l="38022" r="38422"/>
           <a:stretch/>
         </p:blipFill>
         <p:spPr>
           <a:xfrm>
-            <a:off x="2415876" y="5271929"/>
-            <a:ext cx="2279374" cy="2274145"/>
+            <a:off x="2810095" y="5271929"/>
+            <a:ext cx="1615496" cy="2274145"/>
           </a:xfrm>
           <a:prstGeom prst="rect">
             <a:avLst/>
@@ -3601,7 +3606,7 @@
         </p:blipFill>
         <p:spPr>
           <a:xfrm>
-            <a:off x="481712" y="5271929"/>
+            <a:off x="574962" y="5271928"/>
             <a:ext cx="1665138" cy="2274145"/>
           </a:xfrm>
           <a:prstGeom prst="rect">
